--- a/TestTargetProfileFromCode.pptx
+++ b/TestTargetProfileFromCode.pptx
@@ -5,10 +5,10 @@
     <p:sldMasterId id="2147483648" r:id="rId1"/>
   </p:sldMasterIdLst>
   <p:handoutMasterIdLst>
-    <p:handoutMasterId r:id="rId3"/>
+    <p:handoutMasterId r:id="rId2"/>
   </p:handoutMasterIdLst>
   <p:sldIdLst>
-    <p:sldId id="256" r:id="rId2"/>
+    <p:sldId id="256" r:id="rId7"/>
   </p:sldIdLst>
   <p:sldSz cx="12192000" cy="6858000"/>
   <p:notesSz cx="6858000" cy="9144000"/>
@@ -1551,7 +1551,7 @@
 </file>
 
 <file path=ppt/slides/slide1.xml><?xml version="1.0" encoding="utf-8"?>
-<p:sld xmlns:a="http://schemas.openxmlformats.org/drawingml/2006/main" xmlns:r="http://schemas.openxmlformats.org/officeDocument/2006/relationships" xmlns:p="http://schemas.openxmlformats.org/presentationml/2006/main">
+<p:sld xmlns:a="http://schemas.openxmlformats.org/drawingml/2006/main" xmlns:p="http://schemas.openxmlformats.org/presentationml/2006/main" xmlns:r="http://schemas.openxmlformats.org/officeDocument/2006/relationships">
   <p:cSld>
     <p:spTree>
       <p:nvGrpSpPr>
@@ -1559,14 +1559,7 @@
         <p:cNvGrpSpPr/>
         <p:nvPr/>
       </p:nvGrpSpPr>
-      <p:grpSpPr>
-        <a:xfrm>
-          <a:off x="0" y="0"/>
-          <a:ext cx="0" cy="0"/>
-          <a:chOff x="0" y="0"/>
-          <a:chExt cx="0" cy="0"/>
-        </a:xfrm>
-      </p:grpSpPr>
+      <p:grpSpPr/>
       <p:sp>
         <p:nvSpPr>
           <p:cNvPr id="2" name="Text Placeholder 1"/>
@@ -1574,7 +1567,7 @@
             <a:spLocks noGrp="1"/>
           </p:cNvSpPr>
           <p:nvPr>
-            <p:ph type="body" sz="quarter" idx="10"/>
+            <p:ph type="body" idx="10" sz="quarter"/>
           </p:nvPr>
         </p:nvSpPr>
         <p:spPr/>
@@ -1590,12 +1583,12 @@
       </p:sp>
       <p:pic>
         <p:nvPicPr>
-          <p:cNvPr id="3" name="Picture Placeholder 2" descr="Arron_Gaines.jpg"/>
+          <p:cNvPr id="3" name="Picture Placeholder 2" descr="ArronGaines.jpg"/>
           <p:cNvPicPr>
             <a:picLocks noGrp="1" noChangeAspect="1"/>
           </p:cNvPicPr>
           <p:nvPr>
-            <p:ph type="pic" sz="quarter" idx="12"/>
+            <p:ph type="pic" idx="12" sz="quarter"/>
           </p:nvPr>
         </p:nvPicPr>
         <p:blipFill>
@@ -1614,16 +1607,14 @@
             <a:spLocks noGrp="1"/>
           </p:cNvSpPr>
           <p:nvPr>
-            <p:ph type="body" sz="quarter" idx="13"/>
+            <p:ph type="body" idx="13" sz="quarter"/>
           </p:nvPr>
         </p:nvSpPr>
         <p:spPr/>
         <p:txBody>
           <a:bodyPr/>
           <a:lstStyle/>
-          <a:p>
-            <a:endParaRPr/>
-          </a:p>
+          <a:p/>
           <a:p>
             <a:r>
               <a:t>This is a multiline summary.</a:t>
@@ -1639,19 +1630,17 @@
               <a:t>Currently adding more information.</a:t>
             </a:r>
           </a:p>
-          <a:p>
-            <a:endParaRPr/>
-          </a:p>
+          <a:p/>
         </p:txBody>
       </p:sp>
       <p:pic>
         <p:nvPicPr>
-          <p:cNvPr id="5" name="Picture Placeholder 4" descr="350_Central_Park_West_Apartments.jpg"/>
+          <p:cNvPr id="5" name="Picture Placeholder 4" descr="350CentralParkWestApartments.jpg"/>
           <p:cNvPicPr>
             <a:picLocks noGrp="1" noChangeAspect="1"/>
           </p:cNvPicPr>
           <p:nvPr>
-            <p:ph type="pic" sz="quarter" idx="14"/>
+            <p:ph type="pic" idx="14" sz="quarter"/>
           </p:nvPr>
         </p:nvPicPr>
         <p:blipFill>
@@ -1665,12 +1654,12 @@
       </p:pic>
       <p:pic>
         <p:nvPicPr>
-          <p:cNvPr id="6" name="Picture Placeholder 5" descr="30_Rockefeller_Plaza.jpg"/>
+          <p:cNvPr id="6" name="Picture Placeholder 5" descr="30RockefellerPlaza.jpg"/>
           <p:cNvPicPr>
             <a:picLocks noGrp="1" noChangeAspect="1"/>
           </p:cNvPicPr>
           <p:nvPr>
-            <p:ph type="pic" sz="quarter" idx="15"/>
+            <p:ph type="pic" idx="15" sz="quarter"/>
           </p:nvPr>
         </p:nvPicPr>
         <p:blipFill>
